--- a/Wine presentation.pptx
+++ b/Wine presentation.pptx
@@ -228,7 +228,7 @@
           <a:p>
             <a:fld id="{E50FB736-B2E3-4688-ADE9-AC14983CCD3D}" type="datetime1">
               <a:rPr lang="en-US" smtClean="0"/>
-              <a:t>1/20/2023</a:t>
+              <a:t>2/15/2023</a:t>
             </a:fld>
             <a:endParaRPr lang="he-IL"/>
           </a:p>
@@ -406,7 +406,7 @@
           <a:p>
             <a:fld id="{849C0EF2-0B4D-463D-A393-2A2D87FC0414}" type="datetime1">
               <a:rPr lang="en-US" smtClean="0"/>
-              <a:t>1/20/2023</a:t>
+              <a:t>2/15/2023</a:t>
             </a:fld>
             <a:endParaRPr lang="he-IL"/>
           </a:p>
@@ -885,7 +885,7 @@
           <a:p>
             <a:fld id="{1614304E-69EF-4554-970B-77E2AA6FDA2E}" type="datetime1">
               <a:rPr lang="en-US" smtClean="0"/>
-              <a:t>1/20/2023</a:t>
+              <a:t>2/15/2023</a:t>
             </a:fld>
             <a:endParaRPr lang="he-IL"/>
           </a:p>
@@ -1085,7 +1085,7 @@
           <a:p>
             <a:fld id="{113E0D38-3122-45F6-92CC-2EF9ED6E4068}" type="datetime1">
               <a:rPr lang="en-US" smtClean="0"/>
-              <a:t>1/20/2023</a:t>
+              <a:t>2/15/2023</a:t>
             </a:fld>
             <a:endParaRPr lang="he-IL"/>
           </a:p>
@@ -1295,7 +1295,7 @@
           <a:p>
             <a:fld id="{34CFBFB5-6908-47D8-9356-0543D331E9C5}" type="datetime1">
               <a:rPr lang="en-US" smtClean="0"/>
-              <a:t>1/20/2023</a:t>
+              <a:t>2/15/2023</a:t>
             </a:fld>
             <a:endParaRPr lang="he-IL"/>
           </a:p>
@@ -1495,7 +1495,7 @@
           <a:p>
             <a:fld id="{B4AEDE55-475A-47D0-AEA7-2B769F5A22D3}" type="datetime1">
               <a:rPr lang="en-US" smtClean="0"/>
-              <a:t>1/20/2023</a:t>
+              <a:t>2/15/2023</a:t>
             </a:fld>
             <a:endParaRPr lang="he-IL"/>
           </a:p>
@@ -1771,7 +1771,7 @@
           <a:p>
             <a:fld id="{CA131A93-9C14-47AD-BDE7-CC70DAF03D2A}" type="datetime1">
               <a:rPr lang="en-US" smtClean="0"/>
-              <a:t>1/20/2023</a:t>
+              <a:t>2/15/2023</a:t>
             </a:fld>
             <a:endParaRPr lang="he-IL"/>
           </a:p>
@@ -2039,7 +2039,7 @@
           <a:p>
             <a:fld id="{89B9F8A5-15C5-43A4-9F02-4AE92A490026}" type="datetime1">
               <a:rPr lang="en-US" smtClean="0"/>
-              <a:t>1/20/2023</a:t>
+              <a:t>2/15/2023</a:t>
             </a:fld>
             <a:endParaRPr lang="he-IL"/>
           </a:p>
@@ -2454,7 +2454,7 @@
           <a:p>
             <a:fld id="{57B8304E-485C-4227-8892-C374617543B3}" type="datetime1">
               <a:rPr lang="en-US" smtClean="0"/>
-              <a:t>1/20/2023</a:t>
+              <a:t>2/15/2023</a:t>
             </a:fld>
             <a:endParaRPr lang="he-IL"/>
           </a:p>
@@ -2596,7 +2596,7 @@
           <a:p>
             <a:fld id="{4921F2D7-E3CF-4DF3-9D8A-4BFD84411BF7}" type="datetime1">
               <a:rPr lang="en-US" smtClean="0"/>
-              <a:t>1/20/2023</a:t>
+              <a:t>2/15/2023</a:t>
             </a:fld>
             <a:endParaRPr lang="he-IL"/>
           </a:p>
@@ -2709,7 +2709,7 @@
           <a:p>
             <a:fld id="{94A2E8AB-AC0F-460C-BAD3-AE786293EB56}" type="datetime1">
               <a:rPr lang="en-US" smtClean="0"/>
-              <a:t>1/20/2023</a:t>
+              <a:t>2/15/2023</a:t>
             </a:fld>
             <a:endParaRPr lang="he-IL"/>
           </a:p>
@@ -3022,7 +3022,7 @@
           <a:p>
             <a:fld id="{053CA619-9EF5-4463-B97D-EFDB9806795A}" type="datetime1">
               <a:rPr lang="en-US" smtClean="0"/>
-              <a:t>1/20/2023</a:t>
+              <a:t>2/15/2023</a:t>
             </a:fld>
             <a:endParaRPr lang="he-IL"/>
           </a:p>
@@ -3311,7 +3311,7 @@
           <a:p>
             <a:fld id="{46E1714A-DC37-4D57-95DA-C79409DF47A0}" type="datetime1">
               <a:rPr lang="en-US" smtClean="0"/>
-              <a:t>1/20/2023</a:t>
+              <a:t>2/15/2023</a:t>
             </a:fld>
             <a:endParaRPr lang="he-IL"/>
           </a:p>
@@ -3554,7 +3554,7 @@
           <a:p>
             <a:fld id="{3620E0FD-8677-4AB8-A6CA-948198253C33}" type="datetime1">
               <a:rPr lang="en-US" smtClean="0"/>
-              <a:t>1/20/2023</a:t>
+              <a:t>2/15/2023</a:t>
             </a:fld>
             <a:endParaRPr lang="he-IL"/>
           </a:p>
@@ -5519,7 +5519,27 @@
                 <a:latin typeface="Helvetica" panose="020B0604020202020204" pitchFamily="34" charset="0"/>
                 <a:cs typeface="Helvetica" panose="020B0604020202020204" pitchFamily="34" charset="0"/>
               </a:rPr>
-              <a:t>Results: Best-performing model is Logistic Regression with an accuracy of 83.33%</a:t>
+              <a:t>Results: Best-performing model is </a:t>
+            </a:r>
+            <a:r>
+              <a:rPr lang="en-US" sz="2000" dirty="0" err="1">
+                <a:solidFill>
+                  <a:schemeClr val="bg1"/>
+                </a:solidFill>
+                <a:latin typeface="Helvetica" panose="020B0604020202020204" pitchFamily="34" charset="0"/>
+                <a:cs typeface="Helvetica" panose="020B0604020202020204" pitchFamily="34" charset="0"/>
+              </a:rPr>
+              <a:t>AdaBoostClassifier</a:t>
+            </a:r>
+            <a:r>
+              <a:rPr lang="en-US" sz="2000" dirty="0">
+                <a:solidFill>
+                  <a:schemeClr val="bg1"/>
+                </a:solidFill>
+                <a:latin typeface="Helvetica" panose="020B0604020202020204" pitchFamily="34" charset="0"/>
+                <a:cs typeface="Helvetica" panose="020B0604020202020204" pitchFamily="34" charset="0"/>
+              </a:rPr>
+              <a:t> with an accuracy of 77.81%</a:t>
             </a:r>
           </a:p>
         </p:txBody>
@@ -7148,7 +7168,7 @@
                 <a:latin typeface="Helvetica" panose="020B0604020202020204" pitchFamily="34" charset="0"/>
                 <a:cs typeface="Helvetica" panose="020B0604020202020204" pitchFamily="34" charset="0"/>
               </a:rPr>
-              <a:t>Converted price column to integer and removed rows with value greater than or equal to 250</a:t>
+              <a:t>Converted price column to integer</a:t>
             </a:r>
           </a:p>
           <a:p>
@@ -7188,15 +7208,15 @@
               </a:rPr>
               <a:t>Removed rows with varietal or origin that didn't appear in at least three other rows</a:t>
             </a:r>
-            <a:br>
-              <a:rPr lang="en-US" sz="1600" dirty="0">
-                <a:solidFill>
-                  <a:schemeClr val="bg1"/>
-                </a:solidFill>
-                <a:latin typeface="Helvetica" panose="020B0604020202020204" pitchFamily="34" charset="0"/>
-                <a:cs typeface="Helvetica" panose="020B0604020202020204" pitchFamily="34" charset="0"/>
-              </a:rPr>
-            </a:br>
+          </a:p>
+          <a:p>
+            <a:pPr marL="342900" indent="-342900">
+              <a:lnSpc>
+                <a:spcPct val="150000"/>
+              </a:lnSpc>
+              <a:buFont typeface="Arial" panose="020B0604020202020204" pitchFamily="34" charset="0"/>
+              <a:buChar char="•"/>
+            </a:pPr>
             <a:r>
               <a:rPr lang="en-US" sz="1600" dirty="0">
                 <a:solidFill>
